--- a/docs/课程作业文档实例/第一份作业：光滑、粒子、NS方程.pptx
+++ b/docs/课程作业文档实例/第一份作业：光滑、粒子、NS方程.pptx
@@ -5965,7 +5965,40 @@
                 <a:ea typeface="微软雅黑" panose="020B0503020204020204" charset="-122"/>
                 <a:sym typeface="微软雅黑" panose="020B0503020204020204" charset="-122"/>
               </a:rPr>
-              <a:t>事情（理论）还远没有结束：</a:t>
+              <a:t>事情（理论）还远没有结</a:t>
+            </a:r>
+            <a:r>
+              <a:rPr lang="zh-CN" altLang="en-US" b="1" dirty="0" smtClean="0">
+                <a:solidFill>
+                  <a:srgbClr val="004EA2"/>
+                </a:solidFill>
+                <a:latin typeface="微软雅黑" panose="020B0503020204020204" charset="-122"/>
+                <a:ea typeface="微软雅黑" panose="020B0503020204020204" charset="-122"/>
+                <a:sym typeface="微软雅黑" panose="020B0503020204020204" charset="-122"/>
+              </a:rPr>
+              <a:t>束</a:t>
+            </a:r>
+            <a:r>
+              <a:rPr lang="en-US" altLang="zh-CN" b="1" baseline="30000" dirty="0" smtClean="0">
+                <a:solidFill>
+                  <a:srgbClr val="004EA2"/>
+                </a:solidFill>
+                <a:latin typeface="微软雅黑" panose="020B0503020204020204" charset="-122"/>
+                <a:ea typeface="微软雅黑" panose="020B0503020204020204" charset="-122"/>
+                <a:sym typeface="微软雅黑" panose="020B0503020204020204" charset="-122"/>
+              </a:rPr>
+              <a:t>[3]</a:t>
+            </a:r>
+            <a:r>
+              <a:rPr lang="zh-CN" altLang="en-US" b="1" dirty="0" smtClean="0">
+                <a:solidFill>
+                  <a:srgbClr val="004EA2"/>
+                </a:solidFill>
+                <a:latin typeface="微软雅黑" panose="020B0503020204020204" charset="-122"/>
+                <a:ea typeface="微软雅黑" panose="020B0503020204020204" charset="-122"/>
+                <a:sym typeface="微软雅黑" panose="020B0503020204020204" charset="-122"/>
+              </a:rPr>
+              <a:t>：</a:t>
             </a:r>
             <a:endParaRPr lang="en-US" altLang="zh-CN" sz="1100" b="1" dirty="0" smtClean="0">
               <a:solidFill>
@@ -6322,7 +6355,7 @@
           <a:graphicData uri="http://schemas.openxmlformats.org/presentationml/2006/ole">
             <mc:AlternateContent xmlns:mc="http://schemas.openxmlformats.org/markup-compatibility/2006">
               <mc:Choice xmlns:v="urn:schemas-microsoft-com:vml" Requires="v">
-                <p:oleObj spid="_x0000_s7190" name="Equation" r:id="rId5" imgW="850680" imgH="444240" progId="Equation.DSMT4">
+                <p:oleObj spid="_x0000_s7200" name="Equation" r:id="rId5" imgW="850680" imgH="444240" progId="Equation.DSMT4">
                   <p:embed/>
                 </p:oleObj>
               </mc:Choice>
@@ -6379,7 +6412,7 @@
           <a:graphicData uri="http://schemas.openxmlformats.org/presentationml/2006/ole">
             <mc:AlternateContent xmlns:mc="http://schemas.openxmlformats.org/markup-compatibility/2006">
               <mc:Choice xmlns:v="urn:schemas-microsoft-com:vml" Requires="v">
-                <p:oleObj spid="_x0000_s7191" name="Equation" r:id="rId7" imgW="1015920" imgH="888840" progId="Equation.DSMT4">
+                <p:oleObj spid="_x0000_s7201" name="Equation" r:id="rId7" imgW="1015920" imgH="888840" progId="Equation.DSMT4">
                   <p:embed/>
                 </p:oleObj>
               </mc:Choice>
@@ -6436,7 +6469,7 @@
           <a:graphicData uri="http://schemas.openxmlformats.org/presentationml/2006/ole">
             <mc:AlternateContent xmlns:mc="http://schemas.openxmlformats.org/markup-compatibility/2006">
               <mc:Choice xmlns:v="urn:schemas-microsoft-com:vml" Requires="v">
-                <p:oleObj spid="_x0000_s7192" name="Equation" r:id="rId9" imgW="1295280" imgH="457200" progId="Equation.DSMT4">
+                <p:oleObj spid="_x0000_s7202" name="Equation" r:id="rId9" imgW="1295280" imgH="457200" progId="Equation.DSMT4">
                   <p:embed/>
                 </p:oleObj>
               </mc:Choice>
@@ -6493,7 +6526,7 @@
           <a:graphicData uri="http://schemas.openxmlformats.org/presentationml/2006/ole">
             <mc:AlternateContent xmlns:mc="http://schemas.openxmlformats.org/markup-compatibility/2006">
               <mc:Choice xmlns:v="urn:schemas-microsoft-com:vml" Requires="v">
-                <p:oleObj spid="_x0000_s7193" name="Equation" r:id="rId11" imgW="3288960" imgH="482400" progId="Equation.DSMT4">
+                <p:oleObj spid="_x0000_s7203" name="Equation" r:id="rId11" imgW="3288960" imgH="482400" progId="Equation.DSMT4">
                   <p:embed/>
                 </p:oleObj>
               </mc:Choice>
@@ -6550,7 +6583,7 @@
           <a:graphicData uri="http://schemas.openxmlformats.org/presentationml/2006/ole">
             <mc:AlternateContent xmlns:mc="http://schemas.openxmlformats.org/markup-compatibility/2006">
               <mc:Choice xmlns:v="urn:schemas-microsoft-com:vml" Requires="v">
-                <p:oleObj spid="_x0000_s7194" name="Equation" r:id="rId13" imgW="3492360" imgH="469800" progId="Equation.DSMT4">
+                <p:oleObj spid="_x0000_s7204" name="Equation" r:id="rId13" imgW="3492360" imgH="469800" progId="Equation.DSMT4">
                   <p:embed/>
                 </p:oleObj>
               </mc:Choice>
@@ -9524,6 +9557,20 @@
           <a:prstGeom prst="rect">
             <a:avLst/>
           </a:prstGeom>
+          <a:ln w="3175" cap="sq">
+            <a:solidFill>
+              <a:srgbClr val="000000"/>
+            </a:solidFill>
+            <a:prstDash val="solid"/>
+            <a:miter lim="800000"/>
+          </a:ln>
+          <a:effectLst>
+            <a:outerShdw blurRad="50800" dist="38100" dir="2700000" algn="tl" rotWithShape="0">
+              <a:srgbClr val="000000">
+                <a:alpha val="43000"/>
+              </a:srgbClr>
+            </a:outerShdw>
+          </a:effectLst>
         </p:spPr>
       </p:pic>
       <p:pic>
@@ -9548,6 +9595,20 @@
           <a:prstGeom prst="rect">
             <a:avLst/>
           </a:prstGeom>
+          <a:ln w="3175" cap="sq">
+            <a:solidFill>
+              <a:srgbClr val="000000"/>
+            </a:solidFill>
+            <a:prstDash val="solid"/>
+            <a:miter lim="800000"/>
+          </a:ln>
+          <a:effectLst>
+            <a:outerShdw blurRad="50800" dist="38100" dir="2700000" algn="tl" rotWithShape="0">
+              <a:srgbClr val="000000">
+                <a:alpha val="43000"/>
+              </a:srgbClr>
+            </a:outerShdw>
+          </a:effectLst>
         </p:spPr>
       </p:pic>
       <p:pic>
@@ -9571,6 +9632,20 @@
           <a:prstGeom prst="rect">
             <a:avLst/>
           </a:prstGeom>
+          <a:ln w="3175" cap="sq">
+            <a:solidFill>
+              <a:srgbClr val="000000"/>
+            </a:solidFill>
+            <a:prstDash val="solid"/>
+            <a:miter lim="800000"/>
+          </a:ln>
+          <a:effectLst>
+            <a:outerShdw blurRad="50800" dist="38100" dir="2700000" algn="tl" rotWithShape="0">
+              <a:srgbClr val="000000">
+                <a:alpha val="43000"/>
+              </a:srgbClr>
+            </a:outerShdw>
+          </a:effectLst>
         </p:spPr>
       </p:pic>
       <p:pic>
@@ -9595,6 +9670,20 @@
           <a:prstGeom prst="rect">
             <a:avLst/>
           </a:prstGeom>
+          <a:ln w="3175" cap="sq">
+            <a:solidFill>
+              <a:srgbClr val="000000"/>
+            </a:solidFill>
+            <a:prstDash val="solid"/>
+            <a:miter lim="800000"/>
+          </a:ln>
+          <a:effectLst>
+            <a:outerShdw blurRad="50800" dist="38100" dir="2700000" algn="tl" rotWithShape="0">
+              <a:srgbClr val="000000">
+                <a:alpha val="43000"/>
+              </a:srgbClr>
+            </a:outerShdw>
+          </a:effectLst>
         </p:spPr>
       </p:pic>
       <p:pic>
@@ -9619,6 +9708,20 @@
           <a:prstGeom prst="rect">
             <a:avLst/>
           </a:prstGeom>
+          <a:ln w="3175" cap="sq">
+            <a:solidFill>
+              <a:srgbClr val="000000"/>
+            </a:solidFill>
+            <a:prstDash val="solid"/>
+            <a:miter lim="800000"/>
+          </a:ln>
+          <a:effectLst>
+            <a:outerShdw blurRad="50800" dist="38100" dir="2700000" algn="tl" rotWithShape="0">
+              <a:srgbClr val="000000">
+                <a:alpha val="43000"/>
+              </a:srgbClr>
+            </a:outerShdw>
+          </a:effectLst>
         </p:spPr>
       </p:pic>
       <p:sp>
@@ -15357,7 +15460,7 @@
           <a:graphicData uri="http://schemas.openxmlformats.org/presentationml/2006/ole">
             <mc:AlternateContent xmlns:mc="http://schemas.openxmlformats.org/markup-compatibility/2006">
               <mc:Choice xmlns:v="urn:schemas-microsoft-com:vml" Requires="v">
-                <p:oleObj spid="_x0000_s1081" name="Equation" r:id="rId5" imgW="2286000" imgH="393480" progId="Equation.DSMT4">
+                <p:oleObj spid="_x0000_s1101" name="Equation" r:id="rId5" imgW="2286000" imgH="393480" progId="Equation.DSMT4">
                   <p:embed/>
                 </p:oleObj>
               </mc:Choice>
@@ -15414,7 +15517,7 @@
           <a:graphicData uri="http://schemas.openxmlformats.org/presentationml/2006/ole">
             <mc:AlternateContent xmlns:mc="http://schemas.openxmlformats.org/markup-compatibility/2006">
               <mc:Choice xmlns:v="urn:schemas-microsoft-com:vml" Requires="v">
-                <p:oleObj spid="_x0000_s1082" name="Equation" r:id="rId7" imgW="4686120" imgH="419040" progId="Equation.DSMT4">
+                <p:oleObj spid="_x0000_s1102" name="Equation" r:id="rId7" imgW="4686120" imgH="419040" progId="Equation.DSMT4">
                   <p:embed/>
                 </p:oleObj>
               </mc:Choice>
@@ -15471,7 +15574,7 @@
           <a:graphicData uri="http://schemas.openxmlformats.org/presentationml/2006/ole">
             <mc:AlternateContent xmlns:mc="http://schemas.openxmlformats.org/markup-compatibility/2006">
               <mc:Choice xmlns:v="urn:schemas-microsoft-com:vml" Requires="v">
-                <p:oleObj spid="_x0000_s1083" name="Equation" r:id="rId9" imgW="126720" imgH="203040" progId="Equation.DSMT4">
+                <p:oleObj spid="_x0000_s1103" name="Equation" r:id="rId9" imgW="126720" imgH="203040" progId="Equation.DSMT4">
                   <p:embed/>
                 </p:oleObj>
               </mc:Choice>
@@ -15576,7 +15679,7 @@
           <a:graphicData uri="http://schemas.openxmlformats.org/presentationml/2006/ole">
             <mc:AlternateContent xmlns:mc="http://schemas.openxmlformats.org/markup-compatibility/2006">
               <mc:Choice xmlns:v="urn:schemas-microsoft-com:vml" Requires="v">
-                <p:oleObj spid="_x0000_s1084" name="Equation" r:id="rId11" imgW="126720" imgH="203040" progId="Equation.DSMT4">
+                <p:oleObj spid="_x0000_s1104" name="Equation" r:id="rId11" imgW="126720" imgH="203040" progId="Equation.DSMT4">
                   <p:embed/>
                 </p:oleObj>
               </mc:Choice>
@@ -15633,7 +15736,7 @@
           <a:graphicData uri="http://schemas.openxmlformats.org/presentationml/2006/ole">
             <mc:AlternateContent xmlns:mc="http://schemas.openxmlformats.org/markup-compatibility/2006">
               <mc:Choice xmlns:v="urn:schemas-microsoft-com:vml" Requires="v">
-                <p:oleObj spid="_x0000_s1085" name="Equation" r:id="rId13" imgW="685800" imgH="203040" progId="Equation.DSMT4">
+                <p:oleObj spid="_x0000_s1105" name="Equation" r:id="rId13" imgW="685800" imgH="203040" progId="Equation.DSMT4">
                   <p:embed/>
                 </p:oleObj>
               </mc:Choice>
@@ -15690,7 +15793,7 @@
           <a:graphicData uri="http://schemas.openxmlformats.org/presentationml/2006/ole">
             <mc:AlternateContent xmlns:mc="http://schemas.openxmlformats.org/markup-compatibility/2006">
               <mc:Choice xmlns:v="urn:schemas-microsoft-com:vml" Requires="v">
-                <p:oleObj spid="_x0000_s1086" name="Equation" r:id="rId15" imgW="139680" imgH="152280" progId="Equation.DSMT4">
+                <p:oleObj spid="_x0000_s1106" name="Equation" r:id="rId15" imgW="139680" imgH="152280" progId="Equation.DSMT4">
                   <p:embed/>
                 </p:oleObj>
               </mc:Choice>
@@ -15747,7 +15850,7 @@
           <a:graphicData uri="http://schemas.openxmlformats.org/presentationml/2006/ole">
             <mc:AlternateContent xmlns:mc="http://schemas.openxmlformats.org/markup-compatibility/2006">
               <mc:Choice xmlns:v="urn:schemas-microsoft-com:vml" Requires="v">
-                <p:oleObj spid="_x0000_s1087" name="Equation" r:id="rId17" imgW="139680" imgH="177480" progId="Equation.DSMT4">
+                <p:oleObj spid="_x0000_s1107" name="Equation" r:id="rId17" imgW="139680" imgH="177480" progId="Equation.DSMT4">
                   <p:embed/>
                 </p:oleObj>
               </mc:Choice>
@@ -15842,7 +15945,7 @@
           <a:graphicData uri="http://schemas.openxmlformats.org/presentationml/2006/ole">
             <mc:AlternateContent xmlns:mc="http://schemas.openxmlformats.org/markup-compatibility/2006">
               <mc:Choice xmlns:v="urn:schemas-microsoft-com:vml" Requires="v">
-                <p:oleObj spid="_x0000_s1088" name="Equation" r:id="rId20" imgW="126720" imgH="203040" progId="Equation.DSMT4">
+                <p:oleObj spid="_x0000_s1108" name="Equation" r:id="rId20" imgW="126720" imgH="203040" progId="Equation.DSMT4">
                   <p:embed/>
                 </p:oleObj>
               </mc:Choice>
@@ -15899,7 +16002,7 @@
           <a:graphicData uri="http://schemas.openxmlformats.org/presentationml/2006/ole">
             <mc:AlternateContent xmlns:mc="http://schemas.openxmlformats.org/markup-compatibility/2006">
               <mc:Choice xmlns:v="urn:schemas-microsoft-com:vml" Requires="v">
-                <p:oleObj spid="_x0000_s1089" name="Equation" r:id="rId21" imgW="139680" imgH="152280" progId="Equation.DSMT4">
+                <p:oleObj spid="_x0000_s1109" name="Equation" r:id="rId21" imgW="139680" imgH="152280" progId="Equation.DSMT4">
                   <p:embed/>
                 </p:oleObj>
               </mc:Choice>
@@ -15956,7 +16059,7 @@
           <a:graphicData uri="http://schemas.openxmlformats.org/presentationml/2006/ole">
             <mc:AlternateContent xmlns:mc="http://schemas.openxmlformats.org/markup-compatibility/2006">
               <mc:Choice xmlns:v="urn:schemas-microsoft-com:vml" Requires="v">
-                <p:oleObj spid="_x0000_s1090" name="Equation" r:id="rId22" imgW="139680" imgH="177480" progId="Equation.DSMT4">
+                <p:oleObj spid="_x0000_s1110" name="Equation" r:id="rId22" imgW="139680" imgH="177480" progId="Equation.DSMT4">
                   <p:embed/>
                 </p:oleObj>
               </mc:Choice>
@@ -17060,7 +17163,7 @@
           <a:graphicData uri="http://schemas.openxmlformats.org/presentationml/2006/ole">
             <mc:AlternateContent xmlns:mc="http://schemas.openxmlformats.org/markup-compatibility/2006">
               <mc:Choice xmlns:v="urn:schemas-microsoft-com:vml" Requires="v">
-                <p:oleObj spid="_x0000_s2062" name="Equation" r:id="rId5" imgW="5397480" imgH="419040" progId="Equation.DSMT4">
+                <p:oleObj spid="_x0000_s2068" name="Equation" r:id="rId5" imgW="5397480" imgH="419040" progId="Equation.DSMT4">
                   <p:embed/>
                 </p:oleObj>
               </mc:Choice>
@@ -17117,7 +17220,7 @@
           <a:graphicData uri="http://schemas.openxmlformats.org/presentationml/2006/ole">
             <mc:AlternateContent xmlns:mc="http://schemas.openxmlformats.org/markup-compatibility/2006">
               <mc:Choice xmlns:v="urn:schemas-microsoft-com:vml" Requires="v">
-                <p:oleObj spid="_x0000_s2063" name="Equation" r:id="rId7" imgW="2057400" imgH="419040" progId="Equation.DSMT4">
+                <p:oleObj spid="_x0000_s2069" name="Equation" r:id="rId7" imgW="2057400" imgH="419040" progId="Equation.DSMT4">
                   <p:embed/>
                 </p:oleObj>
               </mc:Choice>
@@ -17174,7 +17277,7 @@
           <a:graphicData uri="http://schemas.openxmlformats.org/presentationml/2006/ole">
             <mc:AlternateContent xmlns:mc="http://schemas.openxmlformats.org/markup-compatibility/2006">
               <mc:Choice xmlns:v="urn:schemas-microsoft-com:vml" Requires="v">
-                <p:oleObj spid="_x0000_s2064" name="Equation" r:id="rId9" imgW="2869920" imgH="419040" progId="Equation.DSMT4">
+                <p:oleObj spid="_x0000_s2070" name="Equation" r:id="rId9" imgW="2869920" imgH="419040" progId="Equation.DSMT4">
                   <p:embed/>
                 </p:oleObj>
               </mc:Choice>
@@ -18500,7 +18603,7 @@
           <a:graphicData uri="http://schemas.openxmlformats.org/presentationml/2006/ole">
             <mc:AlternateContent xmlns:mc="http://schemas.openxmlformats.org/markup-compatibility/2006">
               <mc:Choice xmlns:v="urn:schemas-microsoft-com:vml" Requires="v">
-                <p:oleObj spid="_x0000_s3102" name="Equation" r:id="rId5" imgW="1447560" imgH="457200" progId="Equation.DSMT4">
+                <p:oleObj spid="_x0000_s3112" name="Equation" r:id="rId5" imgW="1447560" imgH="457200" progId="Equation.DSMT4">
                   <p:embed/>
                 </p:oleObj>
               </mc:Choice>
@@ -18557,7 +18660,7 @@
           <a:graphicData uri="http://schemas.openxmlformats.org/presentationml/2006/ole">
             <mc:AlternateContent xmlns:mc="http://schemas.openxmlformats.org/markup-compatibility/2006">
               <mc:Choice xmlns:v="urn:schemas-microsoft-com:vml" Requires="v">
-                <p:oleObj spid="_x0000_s3103" name="Equation" r:id="rId7" imgW="749160" imgH="279360" progId="Equation.DSMT4">
+                <p:oleObj spid="_x0000_s3113" name="Equation" r:id="rId7" imgW="749160" imgH="279360" progId="Equation.DSMT4">
                   <p:embed/>
                 </p:oleObj>
               </mc:Choice>
@@ -18614,7 +18717,7 @@
           <a:graphicData uri="http://schemas.openxmlformats.org/presentationml/2006/ole">
             <mc:AlternateContent xmlns:mc="http://schemas.openxmlformats.org/markup-compatibility/2006">
               <mc:Choice xmlns:v="urn:schemas-microsoft-com:vml" Requires="v">
-                <p:oleObj spid="_x0000_s3104" name="Equation" r:id="rId9" imgW="1638000" imgH="291960" progId="Equation.DSMT4">
+                <p:oleObj spid="_x0000_s3114" name="Equation" r:id="rId9" imgW="1638000" imgH="291960" progId="Equation.DSMT4">
                   <p:embed/>
                 </p:oleObj>
               </mc:Choice>
@@ -18671,7 +18774,7 @@
           <a:graphicData uri="http://schemas.openxmlformats.org/presentationml/2006/ole">
             <mc:AlternateContent xmlns:mc="http://schemas.openxmlformats.org/markup-compatibility/2006">
               <mc:Choice xmlns:v="urn:schemas-microsoft-com:vml" Requires="v">
-                <p:oleObj spid="_x0000_s3105" name="Equation" r:id="rId11" imgW="571320" imgH="203040" progId="Equation.DSMT4">
+                <p:oleObj spid="_x0000_s3115" name="Equation" r:id="rId11" imgW="571320" imgH="203040" progId="Equation.DSMT4">
                   <p:embed/>
                 </p:oleObj>
               </mc:Choice>
@@ -18728,7 +18831,7 @@
           <a:graphicData uri="http://schemas.openxmlformats.org/presentationml/2006/ole">
             <mc:AlternateContent xmlns:mc="http://schemas.openxmlformats.org/markup-compatibility/2006">
               <mc:Choice xmlns:v="urn:schemas-microsoft-com:vml" Requires="v">
-                <p:oleObj spid="_x0000_s3106" name="Equation" r:id="rId13" imgW="2006280" imgH="291960" progId="Equation.DSMT4">
+                <p:oleObj spid="_x0000_s3116" name="Equation" r:id="rId13" imgW="2006280" imgH="291960" progId="Equation.DSMT4">
                   <p:embed/>
                 </p:oleObj>
               </mc:Choice>
@@ -19833,7 +19936,40 @@
                 <a:ea typeface="微软雅黑" panose="020B0503020204020204" charset="-122"/>
                 <a:sym typeface="微软雅黑" panose="020B0503020204020204" charset="-122"/>
               </a:rPr>
-              <a:t>（理解为，伪粒子）：</a:t>
+              <a:t>（理解为，伪粒子</a:t>
+            </a:r>
+            <a:r>
+              <a:rPr lang="zh-CN" altLang="en-US" b="1" dirty="0" smtClean="0">
+                <a:solidFill>
+                  <a:srgbClr val="004EA2"/>
+                </a:solidFill>
+                <a:latin typeface="微软雅黑" panose="020B0503020204020204" charset="-122"/>
+                <a:ea typeface="微软雅黑" panose="020B0503020204020204" charset="-122"/>
+                <a:sym typeface="微软雅黑" panose="020B0503020204020204" charset="-122"/>
+              </a:rPr>
+              <a:t>）</a:t>
+            </a:r>
+            <a:r>
+              <a:rPr lang="en-US" altLang="zh-CN" b="1" baseline="30000" dirty="0" smtClean="0">
+                <a:solidFill>
+                  <a:srgbClr val="004EA2"/>
+                </a:solidFill>
+                <a:latin typeface="微软雅黑" panose="020B0503020204020204" charset="-122"/>
+                <a:ea typeface="微软雅黑" panose="020B0503020204020204" charset="-122"/>
+                <a:sym typeface="微软雅黑" panose="020B0503020204020204" charset="-122"/>
+              </a:rPr>
+              <a:t>[3]</a:t>
+            </a:r>
+            <a:r>
+              <a:rPr lang="zh-CN" altLang="en-US" b="1" dirty="0" smtClean="0">
+                <a:solidFill>
+                  <a:srgbClr val="004EA2"/>
+                </a:solidFill>
+                <a:latin typeface="微软雅黑" panose="020B0503020204020204" charset="-122"/>
+                <a:ea typeface="微软雅黑" panose="020B0503020204020204" charset="-122"/>
+                <a:sym typeface="微软雅黑" panose="020B0503020204020204" charset="-122"/>
+              </a:rPr>
+              <a:t>：</a:t>
             </a:r>
             <a:endParaRPr lang="en-US" altLang="zh-CN" b="1" dirty="0" smtClean="0">
               <a:solidFill>
@@ -20154,7 +20290,7 @@
           <a:graphicData uri="http://schemas.openxmlformats.org/presentationml/2006/ole">
             <mc:AlternateContent xmlns:mc="http://schemas.openxmlformats.org/markup-compatibility/2006">
               <mc:Choice xmlns:v="urn:schemas-microsoft-com:vml" Requires="v">
-                <p:oleObj spid="_x0000_s4110" name="Equation" r:id="rId5" imgW="2412720" imgH="1244520" progId="Equation.DSMT4">
+                <p:oleObj spid="_x0000_s4114" name="Equation" r:id="rId5" imgW="2412720" imgH="1244520" progId="Equation.DSMT4">
                   <p:embed/>
                 </p:oleObj>
               </mc:Choice>
@@ -20311,7 +20447,7 @@
           <a:graphicData uri="http://schemas.openxmlformats.org/presentationml/2006/ole">
             <mc:AlternateContent xmlns:mc="http://schemas.openxmlformats.org/markup-compatibility/2006">
               <mc:Choice xmlns:v="urn:schemas-microsoft-com:vml" Requires="v">
-                <p:oleObj spid="_x0000_s4111" name="Equation" r:id="rId7" imgW="1549080" imgH="469800" progId="Equation.DSMT4">
+                <p:oleObj spid="_x0000_s4115" name="Equation" r:id="rId7" imgW="1549080" imgH="469800" progId="Equation.DSMT4">
                   <p:embed/>
                 </p:oleObj>
               </mc:Choice>
@@ -21201,7 +21337,40 @@
                 <a:ea typeface="微软雅黑" panose="020B0503020204020204" charset="-122"/>
                 <a:sym typeface="微软雅黑" panose="020B0503020204020204" charset="-122"/>
               </a:rPr>
-              <a:t>方程（流体动力学）：</a:t>
+              <a:t>方程（流体动力学</a:t>
+            </a:r>
+            <a:r>
+              <a:rPr lang="zh-CN" altLang="en-US" b="1" dirty="0" smtClean="0">
+                <a:solidFill>
+                  <a:srgbClr val="004EA2"/>
+                </a:solidFill>
+                <a:latin typeface="微软雅黑" panose="020B0503020204020204" charset="-122"/>
+                <a:ea typeface="微软雅黑" panose="020B0503020204020204" charset="-122"/>
+                <a:sym typeface="微软雅黑" panose="020B0503020204020204" charset="-122"/>
+              </a:rPr>
+              <a:t>）</a:t>
+            </a:r>
+            <a:r>
+              <a:rPr lang="en-US" altLang="zh-CN" b="1" baseline="30000" dirty="0" smtClean="0">
+                <a:solidFill>
+                  <a:srgbClr val="004EA2"/>
+                </a:solidFill>
+                <a:latin typeface="微软雅黑" panose="020B0503020204020204" charset="-122"/>
+                <a:ea typeface="微软雅黑" panose="020B0503020204020204" charset="-122"/>
+                <a:sym typeface="微软雅黑" panose="020B0503020204020204" charset="-122"/>
+              </a:rPr>
+              <a:t>[4]</a:t>
+            </a:r>
+            <a:r>
+              <a:rPr lang="zh-CN" altLang="en-US" b="1" dirty="0" smtClean="0">
+                <a:solidFill>
+                  <a:srgbClr val="004EA2"/>
+                </a:solidFill>
+                <a:latin typeface="微软雅黑" panose="020B0503020204020204" charset="-122"/>
+                <a:ea typeface="微软雅黑" panose="020B0503020204020204" charset="-122"/>
+                <a:sym typeface="微软雅黑" panose="020B0503020204020204" charset="-122"/>
+              </a:rPr>
+              <a:t>：</a:t>
             </a:r>
             <a:endParaRPr lang="en-US" altLang="zh-CN" sz="1100" b="1" dirty="0" smtClean="0">
               <a:solidFill>
@@ -21397,7 +21566,7 @@
           <a:graphicData uri="http://schemas.openxmlformats.org/presentationml/2006/ole">
             <mc:AlternateContent xmlns:mc="http://schemas.openxmlformats.org/markup-compatibility/2006">
               <mc:Choice xmlns:v="urn:schemas-microsoft-com:vml" Requires="v">
-                <p:oleObj spid="_x0000_s5157" name="Equation" r:id="rId5" imgW="2209680" imgH="241200" progId="Equation.DSMT4">
+                <p:oleObj spid="_x0000_s5171" name="Equation" r:id="rId5" imgW="2209680" imgH="241200" progId="Equation.DSMT4">
                   <p:embed/>
                 </p:oleObj>
               </mc:Choice>
@@ -21454,7 +21623,7 @@
           <a:graphicData uri="http://schemas.openxmlformats.org/presentationml/2006/ole">
             <mc:AlternateContent xmlns:mc="http://schemas.openxmlformats.org/markup-compatibility/2006">
               <mc:Choice xmlns:v="urn:schemas-microsoft-com:vml" Requires="v">
-                <p:oleObj spid="_x0000_s5158" name="Equation" r:id="rId7" imgW="825480" imgH="241200" progId="Equation.DSMT4">
+                <p:oleObj spid="_x0000_s5172" name="Equation" r:id="rId7" imgW="825480" imgH="241200" progId="Equation.DSMT4">
                   <p:embed/>
                 </p:oleObj>
               </mc:Choice>
@@ -21511,7 +21680,7 @@
           <a:graphicData uri="http://schemas.openxmlformats.org/presentationml/2006/ole">
             <mc:AlternateContent xmlns:mc="http://schemas.openxmlformats.org/markup-compatibility/2006">
               <mc:Choice xmlns:v="urn:schemas-microsoft-com:vml" Requires="v">
-                <p:oleObj spid="_x0000_s5159" name="Equation" r:id="rId9" imgW="888840" imgH="241200" progId="Equation.DSMT4">
+                <p:oleObj spid="_x0000_s5173" name="Equation" r:id="rId9" imgW="888840" imgH="241200" progId="Equation.DSMT4">
                   <p:embed/>
                 </p:oleObj>
               </mc:Choice>
@@ -21568,7 +21737,7 @@
           <a:graphicData uri="http://schemas.openxmlformats.org/presentationml/2006/ole">
             <mc:AlternateContent xmlns:mc="http://schemas.openxmlformats.org/markup-compatibility/2006">
               <mc:Choice xmlns:v="urn:schemas-microsoft-com:vml" Requires="v">
-                <p:oleObj spid="_x0000_s5160" name="Equation" r:id="rId11" imgW="977760" imgH="241200" progId="Equation.DSMT4">
+                <p:oleObj spid="_x0000_s5174" name="Equation" r:id="rId11" imgW="977760" imgH="241200" progId="Equation.DSMT4">
                   <p:embed/>
                 </p:oleObj>
               </mc:Choice>
@@ -21625,7 +21794,7 @@
           <a:graphicData uri="http://schemas.openxmlformats.org/presentationml/2006/ole">
             <mc:AlternateContent xmlns:mc="http://schemas.openxmlformats.org/markup-compatibility/2006">
               <mc:Choice xmlns:v="urn:schemas-microsoft-com:vml" Requires="v">
-                <p:oleObj spid="_x0000_s5161" name="Equation" r:id="rId13" imgW="1371600" imgH="228600" progId="Equation.DSMT4">
+                <p:oleObj spid="_x0000_s5175" name="Equation" r:id="rId13" imgW="1371600" imgH="228600" progId="Equation.DSMT4">
                   <p:embed/>
                 </p:oleObj>
               </mc:Choice>
@@ -21682,7 +21851,7 @@
           <a:graphicData uri="http://schemas.openxmlformats.org/presentationml/2006/ole">
             <mc:AlternateContent xmlns:mc="http://schemas.openxmlformats.org/markup-compatibility/2006">
               <mc:Choice xmlns:v="urn:schemas-microsoft-com:vml" Requires="v">
-                <p:oleObj spid="_x0000_s5162" name="Equation" r:id="rId15" imgW="1218960" imgH="444240" progId="Equation.DSMT4">
+                <p:oleObj spid="_x0000_s5176" name="Equation" r:id="rId15" imgW="1218960" imgH="444240" progId="Equation.DSMT4">
                   <p:embed/>
                 </p:oleObj>
               </mc:Choice>
@@ -21739,7 +21908,7 @@
           <a:graphicData uri="http://schemas.openxmlformats.org/presentationml/2006/ole">
             <mc:AlternateContent xmlns:mc="http://schemas.openxmlformats.org/markup-compatibility/2006">
               <mc:Choice xmlns:v="urn:schemas-microsoft-com:vml" Requires="v">
-                <p:oleObj spid="_x0000_s5163" name="Equation" r:id="rId17" imgW="1803240" imgH="457200" progId="Equation.DSMT4">
+                <p:oleObj spid="_x0000_s5177" name="Equation" r:id="rId17" imgW="1803240" imgH="457200" progId="Equation.DSMT4">
                   <p:embed/>
                 </p:oleObj>
               </mc:Choice>
@@ -22777,7 +22946,40 @@
                 <a:ea typeface="微软雅黑" panose="020B0503020204020204" charset="-122"/>
                 <a:sym typeface="微软雅黑" panose="020B0503020204020204" charset="-122"/>
               </a:rPr>
-              <a:t>方程（流体动力学）：</a:t>
+              <a:t>方程（流体动力学</a:t>
+            </a:r>
+            <a:r>
+              <a:rPr lang="zh-CN" altLang="en-US" b="1" dirty="0" smtClean="0">
+                <a:solidFill>
+                  <a:srgbClr val="004EA2"/>
+                </a:solidFill>
+                <a:latin typeface="微软雅黑" panose="020B0503020204020204" charset="-122"/>
+                <a:ea typeface="微软雅黑" panose="020B0503020204020204" charset="-122"/>
+                <a:sym typeface="微软雅黑" panose="020B0503020204020204" charset="-122"/>
+              </a:rPr>
+              <a:t>）</a:t>
+            </a:r>
+            <a:r>
+              <a:rPr lang="en-US" altLang="zh-CN" b="1" baseline="30000" dirty="0" smtClean="0">
+                <a:solidFill>
+                  <a:srgbClr val="004EA2"/>
+                </a:solidFill>
+                <a:latin typeface="微软雅黑" panose="020B0503020204020204" charset="-122"/>
+                <a:ea typeface="微软雅黑" panose="020B0503020204020204" charset="-122"/>
+                <a:sym typeface="微软雅黑" panose="020B0503020204020204" charset="-122"/>
+              </a:rPr>
+              <a:t>[4]</a:t>
+            </a:r>
+            <a:r>
+              <a:rPr lang="zh-CN" altLang="en-US" b="1" dirty="0" smtClean="0">
+                <a:solidFill>
+                  <a:srgbClr val="004EA2"/>
+                </a:solidFill>
+                <a:latin typeface="微软雅黑" panose="020B0503020204020204" charset="-122"/>
+                <a:ea typeface="微软雅黑" panose="020B0503020204020204" charset="-122"/>
+                <a:sym typeface="微软雅黑" panose="020B0503020204020204" charset="-122"/>
+              </a:rPr>
+              <a:t>：</a:t>
             </a:r>
             <a:endParaRPr lang="en-US" altLang="zh-CN" sz="1100" b="1" dirty="0" smtClean="0">
               <a:solidFill>
@@ -23038,7 +23240,7 @@
           <a:graphicData uri="http://schemas.openxmlformats.org/presentationml/2006/ole">
             <mc:AlternateContent xmlns:mc="http://schemas.openxmlformats.org/markup-compatibility/2006">
               <mc:Choice xmlns:v="urn:schemas-microsoft-com:vml" Requires="v">
-                <p:oleObj spid="_x0000_s6173" name="Equation" r:id="rId5" imgW="2209680" imgH="469800" progId="Equation.DSMT4">
+                <p:oleObj spid="_x0000_s6187" name="Equation" r:id="rId5" imgW="2209680" imgH="469800" progId="Equation.DSMT4">
                   <p:embed/>
                 </p:oleObj>
               </mc:Choice>
@@ -23095,7 +23297,7 @@
           <a:graphicData uri="http://schemas.openxmlformats.org/presentationml/2006/ole">
             <mc:AlternateContent xmlns:mc="http://schemas.openxmlformats.org/markup-compatibility/2006">
               <mc:Choice xmlns:v="urn:schemas-microsoft-com:vml" Requires="v">
-                <p:oleObj spid="_x0000_s6174" name="Equation" r:id="rId7" imgW="1739880" imgH="469800" progId="Equation.DSMT4">
+                <p:oleObj spid="_x0000_s6188" name="Equation" r:id="rId7" imgW="1739880" imgH="469800" progId="Equation.DSMT4">
                   <p:embed/>
                 </p:oleObj>
               </mc:Choice>
@@ -23152,7 +23354,7 @@
           <a:graphicData uri="http://schemas.openxmlformats.org/presentationml/2006/ole">
             <mc:AlternateContent xmlns:mc="http://schemas.openxmlformats.org/markup-compatibility/2006">
               <mc:Choice xmlns:v="urn:schemas-microsoft-com:vml" Requires="v">
-                <p:oleObj spid="_x0000_s6175" name="Equation" r:id="rId9" imgW="1828800" imgH="469800" progId="Equation.DSMT4">
+                <p:oleObj spid="_x0000_s6189" name="Equation" r:id="rId9" imgW="1828800" imgH="469800" progId="Equation.DSMT4">
                   <p:embed/>
                 </p:oleObj>
               </mc:Choice>
@@ -23209,7 +23411,7 @@
           <a:graphicData uri="http://schemas.openxmlformats.org/presentationml/2006/ole">
             <mc:AlternateContent xmlns:mc="http://schemas.openxmlformats.org/markup-compatibility/2006">
               <mc:Choice xmlns:v="urn:schemas-microsoft-com:vml" Requires="v">
-                <p:oleObj spid="_x0000_s6176" name="Equation" r:id="rId11" imgW="2450880" imgH="965160" progId="Equation.DSMT4">
+                <p:oleObj spid="_x0000_s6190" name="Equation" r:id="rId11" imgW="2450880" imgH="965160" progId="Equation.DSMT4">
                   <p:embed/>
                 </p:oleObj>
               </mc:Choice>
@@ -23266,7 +23468,7 @@
           <a:graphicData uri="http://schemas.openxmlformats.org/presentationml/2006/ole">
             <mc:AlternateContent xmlns:mc="http://schemas.openxmlformats.org/markup-compatibility/2006">
               <mc:Choice xmlns:v="urn:schemas-microsoft-com:vml" Requires="v">
-                <p:oleObj spid="_x0000_s6177" name="Equation" r:id="rId13" imgW="939600" imgH="228600" progId="Equation.DSMT4">
+                <p:oleObj spid="_x0000_s6191" name="Equation" r:id="rId13" imgW="939600" imgH="228600" progId="Equation.DSMT4">
                   <p:embed/>
                 </p:oleObj>
               </mc:Choice>
@@ -23323,7 +23525,7 @@
           <a:graphicData uri="http://schemas.openxmlformats.org/presentationml/2006/ole">
             <mc:AlternateContent xmlns:mc="http://schemas.openxmlformats.org/markup-compatibility/2006">
               <mc:Choice xmlns:v="urn:schemas-microsoft-com:vml" Requires="v">
-                <p:oleObj spid="_x0000_s6178" name="Equation" r:id="rId15" imgW="914400" imgH="198720" progId="Equation.DSMT4">
+                <p:oleObj spid="_x0000_s6192" name="Equation" r:id="rId15" imgW="914400" imgH="198720" progId="Equation.DSMT4">
                   <p:embed/>
                 </p:oleObj>
               </mc:Choice>
@@ -23380,7 +23582,7 @@
           <a:graphicData uri="http://schemas.openxmlformats.org/presentationml/2006/ole">
             <mc:AlternateContent xmlns:mc="http://schemas.openxmlformats.org/markup-compatibility/2006">
               <mc:Choice xmlns:v="urn:schemas-microsoft-com:vml" Requires="v">
-                <p:oleObj spid="_x0000_s6179" name="Equation" r:id="rId17" imgW="1803240" imgH="457200" progId="Equation.DSMT4">
+                <p:oleObj spid="_x0000_s6193" name="Equation" r:id="rId17" imgW="1803240" imgH="457200" progId="Equation.DSMT4">
                   <p:embed/>
                 </p:oleObj>
               </mc:Choice>

--- a/docs/课程作业文档实例/第一份作业：光滑、粒子、NS方程.pptx
+++ b/docs/课程作业文档实例/第一份作业：光滑、粒子、NS方程.pptx
@@ -210,7 +210,7 @@
           <a:p>
             <a:fld id="{E7CE4261-0CDD-45A3-84C2-311859DE5B03}" type="datetimeFigureOut">
               <a:rPr lang="zh-CN" altLang="en-US" smtClean="0"/>
-              <a:t>2021/9/14</a:t>
+              <a:t>2021/9/15</a:t>
             </a:fld>
             <a:endParaRPr lang="zh-CN" altLang="en-US"/>
           </a:p>
@@ -1914,7 +1914,7 @@
           <a:p>
             <a:fld id="{694536CA-A6C4-4358-AF93-5CCBD70D248C}" type="datetimeFigureOut">
               <a:rPr lang="zh-CN" altLang="en-US" smtClean="0"/>
-              <a:t>2021/9/14</a:t>
+              <a:t>2021/9/15</a:t>
             </a:fld>
             <a:endParaRPr lang="zh-CN" altLang="en-US"/>
           </a:p>
@@ -2077,7 +2077,7 @@
           <a:p>
             <a:fld id="{694536CA-A6C4-4358-AF93-5CCBD70D248C}" type="datetimeFigureOut">
               <a:rPr lang="zh-CN" altLang="en-US" smtClean="0"/>
-              <a:t>2021/9/14</a:t>
+              <a:t>2021/9/15</a:t>
             </a:fld>
             <a:endParaRPr lang="zh-CN" altLang="en-US"/>
           </a:p>
@@ -2250,7 +2250,7 @@
           <a:p>
             <a:fld id="{694536CA-A6C4-4358-AF93-5CCBD70D248C}" type="datetimeFigureOut">
               <a:rPr lang="zh-CN" altLang="en-US" smtClean="0"/>
-              <a:t>2021/9/14</a:t>
+              <a:t>2021/9/15</a:t>
             </a:fld>
             <a:endParaRPr lang="zh-CN" altLang="en-US"/>
           </a:p>
@@ -2413,7 +2413,7 @@
           <a:p>
             <a:fld id="{694536CA-A6C4-4358-AF93-5CCBD70D248C}" type="datetimeFigureOut">
               <a:rPr lang="zh-CN" altLang="en-US" smtClean="0"/>
-              <a:t>2021/9/14</a:t>
+              <a:t>2021/9/15</a:t>
             </a:fld>
             <a:endParaRPr lang="zh-CN" altLang="en-US"/>
           </a:p>
@@ -2653,7 +2653,7 @@
           <a:p>
             <a:fld id="{694536CA-A6C4-4358-AF93-5CCBD70D248C}" type="datetimeFigureOut">
               <a:rPr lang="zh-CN" altLang="en-US" smtClean="0"/>
-              <a:t>2021/9/14</a:t>
+              <a:t>2021/9/15</a:t>
             </a:fld>
             <a:endParaRPr lang="zh-CN" altLang="en-US"/>
           </a:p>
@@ -2877,7 +2877,7 @@
           <a:p>
             <a:fld id="{694536CA-A6C4-4358-AF93-5CCBD70D248C}" type="datetimeFigureOut">
               <a:rPr lang="zh-CN" altLang="en-US" smtClean="0"/>
-              <a:t>2021/9/14</a:t>
+              <a:t>2021/9/15</a:t>
             </a:fld>
             <a:endParaRPr lang="zh-CN" altLang="en-US"/>
           </a:p>
@@ -3236,7 +3236,7 @@
           <a:p>
             <a:fld id="{694536CA-A6C4-4358-AF93-5CCBD70D248C}" type="datetimeFigureOut">
               <a:rPr lang="zh-CN" altLang="en-US" smtClean="0"/>
-              <a:t>2021/9/14</a:t>
+              <a:t>2021/9/15</a:t>
             </a:fld>
             <a:endParaRPr lang="zh-CN" altLang="en-US"/>
           </a:p>
@@ -3348,7 +3348,7 @@
           <a:p>
             <a:fld id="{694536CA-A6C4-4358-AF93-5CCBD70D248C}" type="datetimeFigureOut">
               <a:rPr lang="zh-CN" altLang="en-US" smtClean="0"/>
-              <a:t>2021/9/14</a:t>
+              <a:t>2021/9/15</a:t>
             </a:fld>
             <a:endParaRPr lang="zh-CN" altLang="en-US"/>
           </a:p>
@@ -3438,7 +3438,7 @@
           <a:p>
             <a:fld id="{694536CA-A6C4-4358-AF93-5CCBD70D248C}" type="datetimeFigureOut">
               <a:rPr lang="zh-CN" altLang="en-US" smtClean="0"/>
-              <a:t>2021/9/14</a:t>
+              <a:t>2021/9/15</a:t>
             </a:fld>
             <a:endParaRPr lang="zh-CN" altLang="en-US"/>
           </a:p>
@@ -3708,7 +3708,7 @@
           <a:p>
             <a:fld id="{694536CA-A6C4-4358-AF93-5CCBD70D248C}" type="datetimeFigureOut">
               <a:rPr lang="zh-CN" altLang="en-US" smtClean="0"/>
-              <a:t>2021/9/14</a:t>
+              <a:t>2021/9/15</a:t>
             </a:fld>
             <a:endParaRPr lang="zh-CN" altLang="en-US"/>
           </a:p>
@@ -3955,7 +3955,7 @@
           <a:p>
             <a:fld id="{694536CA-A6C4-4358-AF93-5CCBD70D248C}" type="datetimeFigureOut">
               <a:rPr lang="zh-CN" altLang="en-US" smtClean="0"/>
-              <a:t>2021/9/14</a:t>
+              <a:t>2021/9/15</a:t>
             </a:fld>
             <a:endParaRPr lang="zh-CN" altLang="en-US"/>
           </a:p>
@@ -4161,7 +4161,7 @@
           <a:p>
             <a:fld id="{694536CA-A6C4-4358-AF93-5CCBD70D248C}" type="datetimeFigureOut">
               <a:rPr lang="zh-CN" altLang="en-US" smtClean="0"/>
-              <a:t>2021/9/14</a:t>
+              <a:t>2021/9/15</a:t>
             </a:fld>
             <a:endParaRPr lang="zh-CN" altLang="en-US"/>
           </a:p>
@@ -5965,18 +5965,7 @@
                 <a:ea typeface="微软雅黑" panose="020B0503020204020204" charset="-122"/>
                 <a:sym typeface="微软雅黑" panose="020B0503020204020204" charset="-122"/>
               </a:rPr>
-              <a:t>事情（理论）还远没有结</a:t>
-            </a:r>
-            <a:r>
-              <a:rPr lang="zh-CN" altLang="en-US" b="1" dirty="0" smtClean="0">
-                <a:solidFill>
-                  <a:srgbClr val="004EA2"/>
-                </a:solidFill>
-                <a:latin typeface="微软雅黑" panose="020B0503020204020204" charset="-122"/>
-                <a:ea typeface="微软雅黑" panose="020B0503020204020204" charset="-122"/>
-                <a:sym typeface="微软雅黑" panose="020B0503020204020204" charset="-122"/>
-              </a:rPr>
-              <a:t>束</a:t>
+              <a:t>事情（理论）还远没有结束</a:t>
             </a:r>
             <a:r>
               <a:rPr lang="en-US" altLang="zh-CN" b="1" baseline="30000" dirty="0" smtClean="0">
@@ -6355,7 +6344,7 @@
           <a:graphicData uri="http://schemas.openxmlformats.org/presentationml/2006/ole">
             <mc:AlternateContent xmlns:mc="http://schemas.openxmlformats.org/markup-compatibility/2006">
               <mc:Choice xmlns:v="urn:schemas-microsoft-com:vml" Requires="v">
-                <p:oleObj spid="_x0000_s7200" name="Equation" r:id="rId5" imgW="850680" imgH="444240" progId="Equation.DSMT4">
+                <p:oleObj spid="_x0000_s7215" name="Equation" r:id="rId5" imgW="850680" imgH="444240" progId="Equation.DSMT4">
                   <p:embed/>
                 </p:oleObj>
               </mc:Choice>
@@ -6412,7 +6401,7 @@
           <a:graphicData uri="http://schemas.openxmlformats.org/presentationml/2006/ole">
             <mc:AlternateContent xmlns:mc="http://schemas.openxmlformats.org/markup-compatibility/2006">
               <mc:Choice xmlns:v="urn:schemas-microsoft-com:vml" Requires="v">
-                <p:oleObj spid="_x0000_s7201" name="Equation" r:id="rId7" imgW="1015920" imgH="888840" progId="Equation.DSMT4">
+                <p:oleObj spid="_x0000_s7216" name="Equation" r:id="rId7" imgW="1015920" imgH="888840" progId="Equation.DSMT4">
                   <p:embed/>
                 </p:oleObj>
               </mc:Choice>
@@ -6469,7 +6458,7 @@
           <a:graphicData uri="http://schemas.openxmlformats.org/presentationml/2006/ole">
             <mc:AlternateContent xmlns:mc="http://schemas.openxmlformats.org/markup-compatibility/2006">
               <mc:Choice xmlns:v="urn:schemas-microsoft-com:vml" Requires="v">
-                <p:oleObj spid="_x0000_s7202" name="Equation" r:id="rId9" imgW="1295280" imgH="457200" progId="Equation.DSMT4">
+                <p:oleObj spid="_x0000_s7217" name="Equation" r:id="rId9" imgW="1295280" imgH="457200" progId="Equation.DSMT4">
                   <p:embed/>
                 </p:oleObj>
               </mc:Choice>
@@ -6526,7 +6515,7 @@
           <a:graphicData uri="http://schemas.openxmlformats.org/presentationml/2006/ole">
             <mc:AlternateContent xmlns:mc="http://schemas.openxmlformats.org/markup-compatibility/2006">
               <mc:Choice xmlns:v="urn:schemas-microsoft-com:vml" Requires="v">
-                <p:oleObj spid="_x0000_s7203" name="Equation" r:id="rId11" imgW="3288960" imgH="482400" progId="Equation.DSMT4">
+                <p:oleObj spid="_x0000_s7218" name="Equation" r:id="rId11" imgW="3288960" imgH="482400" progId="Equation.DSMT4">
                   <p:embed/>
                 </p:oleObj>
               </mc:Choice>
@@ -6583,7 +6572,7 @@
           <a:graphicData uri="http://schemas.openxmlformats.org/presentationml/2006/ole">
             <mc:AlternateContent xmlns:mc="http://schemas.openxmlformats.org/markup-compatibility/2006">
               <mc:Choice xmlns:v="urn:schemas-microsoft-com:vml" Requires="v">
-                <p:oleObj spid="_x0000_s7204" name="Equation" r:id="rId13" imgW="3492360" imgH="469800" progId="Equation.DSMT4">
+                <p:oleObj spid="_x0000_s7219" name="Equation" r:id="rId13" imgW="3492360" imgH="469800" progId="Equation.DSMT4">
                   <p:embed/>
                 </p:oleObj>
               </mc:Choice>
@@ -15460,7 +15449,7 @@
           <a:graphicData uri="http://schemas.openxmlformats.org/presentationml/2006/ole">
             <mc:AlternateContent xmlns:mc="http://schemas.openxmlformats.org/markup-compatibility/2006">
               <mc:Choice xmlns:v="urn:schemas-microsoft-com:vml" Requires="v">
-                <p:oleObj spid="_x0000_s1101" name="Equation" r:id="rId5" imgW="2286000" imgH="393480" progId="Equation.DSMT4">
+                <p:oleObj spid="_x0000_s1131" name="Equation" r:id="rId5" imgW="2286000" imgH="393480" progId="Equation.DSMT4">
                   <p:embed/>
                 </p:oleObj>
               </mc:Choice>
@@ -15517,7 +15506,7 @@
           <a:graphicData uri="http://schemas.openxmlformats.org/presentationml/2006/ole">
             <mc:AlternateContent xmlns:mc="http://schemas.openxmlformats.org/markup-compatibility/2006">
               <mc:Choice xmlns:v="urn:schemas-microsoft-com:vml" Requires="v">
-                <p:oleObj spid="_x0000_s1102" name="Equation" r:id="rId7" imgW="4686120" imgH="419040" progId="Equation.DSMT4">
+                <p:oleObj spid="_x0000_s1132" name="Equation" r:id="rId7" imgW="4686120" imgH="419040" progId="Equation.DSMT4">
                   <p:embed/>
                 </p:oleObj>
               </mc:Choice>
@@ -15574,7 +15563,7 @@
           <a:graphicData uri="http://schemas.openxmlformats.org/presentationml/2006/ole">
             <mc:AlternateContent xmlns:mc="http://schemas.openxmlformats.org/markup-compatibility/2006">
               <mc:Choice xmlns:v="urn:schemas-microsoft-com:vml" Requires="v">
-                <p:oleObj spid="_x0000_s1103" name="Equation" r:id="rId9" imgW="126720" imgH="203040" progId="Equation.DSMT4">
+                <p:oleObj spid="_x0000_s1133" name="Equation" r:id="rId9" imgW="126720" imgH="203040" progId="Equation.DSMT4">
                   <p:embed/>
                 </p:oleObj>
               </mc:Choice>
@@ -15679,7 +15668,7 @@
           <a:graphicData uri="http://schemas.openxmlformats.org/presentationml/2006/ole">
             <mc:AlternateContent xmlns:mc="http://schemas.openxmlformats.org/markup-compatibility/2006">
               <mc:Choice xmlns:v="urn:schemas-microsoft-com:vml" Requires="v">
-                <p:oleObj spid="_x0000_s1104" name="Equation" r:id="rId11" imgW="126720" imgH="203040" progId="Equation.DSMT4">
+                <p:oleObj spid="_x0000_s1134" name="Equation" r:id="rId11" imgW="126720" imgH="203040" progId="Equation.DSMT4">
                   <p:embed/>
                 </p:oleObj>
               </mc:Choice>
@@ -15736,7 +15725,7 @@
           <a:graphicData uri="http://schemas.openxmlformats.org/presentationml/2006/ole">
             <mc:AlternateContent xmlns:mc="http://schemas.openxmlformats.org/markup-compatibility/2006">
               <mc:Choice xmlns:v="urn:schemas-microsoft-com:vml" Requires="v">
-                <p:oleObj spid="_x0000_s1105" name="Equation" r:id="rId13" imgW="685800" imgH="203040" progId="Equation.DSMT4">
+                <p:oleObj spid="_x0000_s1135" name="Equation" r:id="rId13" imgW="685800" imgH="203040" progId="Equation.DSMT4">
                   <p:embed/>
                 </p:oleObj>
               </mc:Choice>
@@ -15793,7 +15782,7 @@
           <a:graphicData uri="http://schemas.openxmlformats.org/presentationml/2006/ole">
             <mc:AlternateContent xmlns:mc="http://schemas.openxmlformats.org/markup-compatibility/2006">
               <mc:Choice xmlns:v="urn:schemas-microsoft-com:vml" Requires="v">
-                <p:oleObj spid="_x0000_s1106" name="Equation" r:id="rId15" imgW="139680" imgH="152280" progId="Equation.DSMT4">
+                <p:oleObj spid="_x0000_s1136" name="Equation" r:id="rId15" imgW="139680" imgH="152280" progId="Equation.DSMT4">
                   <p:embed/>
                 </p:oleObj>
               </mc:Choice>
@@ -15850,7 +15839,7 @@
           <a:graphicData uri="http://schemas.openxmlformats.org/presentationml/2006/ole">
             <mc:AlternateContent xmlns:mc="http://schemas.openxmlformats.org/markup-compatibility/2006">
               <mc:Choice xmlns:v="urn:schemas-microsoft-com:vml" Requires="v">
-                <p:oleObj spid="_x0000_s1107" name="Equation" r:id="rId17" imgW="139680" imgH="177480" progId="Equation.DSMT4">
+                <p:oleObj spid="_x0000_s1137" name="Equation" r:id="rId17" imgW="139680" imgH="177480" progId="Equation.DSMT4">
                   <p:embed/>
                 </p:oleObj>
               </mc:Choice>
@@ -15945,7 +15934,7 @@
           <a:graphicData uri="http://schemas.openxmlformats.org/presentationml/2006/ole">
             <mc:AlternateContent xmlns:mc="http://schemas.openxmlformats.org/markup-compatibility/2006">
               <mc:Choice xmlns:v="urn:schemas-microsoft-com:vml" Requires="v">
-                <p:oleObj spid="_x0000_s1108" name="Equation" r:id="rId20" imgW="126720" imgH="203040" progId="Equation.DSMT4">
+                <p:oleObj spid="_x0000_s1138" name="Equation" r:id="rId20" imgW="126720" imgH="203040" progId="Equation.DSMT4">
                   <p:embed/>
                 </p:oleObj>
               </mc:Choice>
@@ -16002,7 +15991,7 @@
           <a:graphicData uri="http://schemas.openxmlformats.org/presentationml/2006/ole">
             <mc:AlternateContent xmlns:mc="http://schemas.openxmlformats.org/markup-compatibility/2006">
               <mc:Choice xmlns:v="urn:schemas-microsoft-com:vml" Requires="v">
-                <p:oleObj spid="_x0000_s1109" name="Equation" r:id="rId21" imgW="139680" imgH="152280" progId="Equation.DSMT4">
+                <p:oleObj spid="_x0000_s1139" name="Equation" r:id="rId21" imgW="139680" imgH="152280" progId="Equation.DSMT4">
                   <p:embed/>
                 </p:oleObj>
               </mc:Choice>
@@ -16059,7 +16048,7 @@
           <a:graphicData uri="http://schemas.openxmlformats.org/presentationml/2006/ole">
             <mc:AlternateContent xmlns:mc="http://schemas.openxmlformats.org/markup-compatibility/2006">
               <mc:Choice xmlns:v="urn:schemas-microsoft-com:vml" Requires="v">
-                <p:oleObj spid="_x0000_s1110" name="Equation" r:id="rId22" imgW="139680" imgH="177480" progId="Equation.DSMT4">
+                <p:oleObj spid="_x0000_s1140" name="Equation" r:id="rId22" imgW="139680" imgH="177480" progId="Equation.DSMT4">
                   <p:embed/>
                 </p:oleObj>
               </mc:Choice>
@@ -17163,7 +17152,7 @@
           <a:graphicData uri="http://schemas.openxmlformats.org/presentationml/2006/ole">
             <mc:AlternateContent xmlns:mc="http://schemas.openxmlformats.org/markup-compatibility/2006">
               <mc:Choice xmlns:v="urn:schemas-microsoft-com:vml" Requires="v">
-                <p:oleObj spid="_x0000_s2068" name="Equation" r:id="rId5" imgW="5397480" imgH="419040" progId="Equation.DSMT4">
+                <p:oleObj spid="_x0000_s2077" name="Equation" r:id="rId5" imgW="5397480" imgH="419040" progId="Equation.DSMT4">
                   <p:embed/>
                 </p:oleObj>
               </mc:Choice>
@@ -17220,7 +17209,7 @@
           <a:graphicData uri="http://schemas.openxmlformats.org/presentationml/2006/ole">
             <mc:AlternateContent xmlns:mc="http://schemas.openxmlformats.org/markup-compatibility/2006">
               <mc:Choice xmlns:v="urn:schemas-microsoft-com:vml" Requires="v">
-                <p:oleObj spid="_x0000_s2069" name="Equation" r:id="rId7" imgW="2057400" imgH="419040" progId="Equation.DSMT4">
+                <p:oleObj spid="_x0000_s2078" name="Equation" r:id="rId7" imgW="2057400" imgH="419040" progId="Equation.DSMT4">
                   <p:embed/>
                 </p:oleObj>
               </mc:Choice>
@@ -17277,7 +17266,7 @@
           <a:graphicData uri="http://schemas.openxmlformats.org/presentationml/2006/ole">
             <mc:AlternateContent xmlns:mc="http://schemas.openxmlformats.org/markup-compatibility/2006">
               <mc:Choice xmlns:v="urn:schemas-microsoft-com:vml" Requires="v">
-                <p:oleObj spid="_x0000_s2070" name="Equation" r:id="rId9" imgW="2869920" imgH="419040" progId="Equation.DSMT4">
+                <p:oleObj spid="_x0000_s2079" name="Equation" r:id="rId9" imgW="2869920" imgH="419040" progId="Equation.DSMT4">
                   <p:embed/>
                 </p:oleObj>
               </mc:Choice>
@@ -18603,7 +18592,7 @@
           <a:graphicData uri="http://schemas.openxmlformats.org/presentationml/2006/ole">
             <mc:AlternateContent xmlns:mc="http://schemas.openxmlformats.org/markup-compatibility/2006">
               <mc:Choice xmlns:v="urn:schemas-microsoft-com:vml" Requires="v">
-                <p:oleObj spid="_x0000_s3112" name="Equation" r:id="rId5" imgW="1447560" imgH="457200" progId="Equation.DSMT4">
+                <p:oleObj spid="_x0000_s3127" name="Equation" r:id="rId5" imgW="1447560" imgH="457200" progId="Equation.DSMT4">
                   <p:embed/>
                 </p:oleObj>
               </mc:Choice>
@@ -18660,7 +18649,7 @@
           <a:graphicData uri="http://schemas.openxmlformats.org/presentationml/2006/ole">
             <mc:AlternateContent xmlns:mc="http://schemas.openxmlformats.org/markup-compatibility/2006">
               <mc:Choice xmlns:v="urn:schemas-microsoft-com:vml" Requires="v">
-                <p:oleObj spid="_x0000_s3113" name="Equation" r:id="rId7" imgW="749160" imgH="279360" progId="Equation.DSMT4">
+                <p:oleObj spid="_x0000_s3128" name="Equation" r:id="rId7" imgW="749160" imgH="279360" progId="Equation.DSMT4">
                   <p:embed/>
                 </p:oleObj>
               </mc:Choice>
@@ -18717,7 +18706,7 @@
           <a:graphicData uri="http://schemas.openxmlformats.org/presentationml/2006/ole">
             <mc:AlternateContent xmlns:mc="http://schemas.openxmlformats.org/markup-compatibility/2006">
               <mc:Choice xmlns:v="urn:schemas-microsoft-com:vml" Requires="v">
-                <p:oleObj spid="_x0000_s3114" name="Equation" r:id="rId9" imgW="1638000" imgH="291960" progId="Equation.DSMT4">
+                <p:oleObj spid="_x0000_s3129" name="Equation" r:id="rId9" imgW="1638000" imgH="291960" progId="Equation.DSMT4">
                   <p:embed/>
                 </p:oleObj>
               </mc:Choice>
@@ -18774,7 +18763,7 @@
           <a:graphicData uri="http://schemas.openxmlformats.org/presentationml/2006/ole">
             <mc:AlternateContent xmlns:mc="http://schemas.openxmlformats.org/markup-compatibility/2006">
               <mc:Choice xmlns:v="urn:schemas-microsoft-com:vml" Requires="v">
-                <p:oleObj spid="_x0000_s3115" name="Equation" r:id="rId11" imgW="571320" imgH="203040" progId="Equation.DSMT4">
+                <p:oleObj spid="_x0000_s3130" name="Equation" r:id="rId11" imgW="571320" imgH="203040" progId="Equation.DSMT4">
                   <p:embed/>
                 </p:oleObj>
               </mc:Choice>
@@ -18831,7 +18820,7 @@
           <a:graphicData uri="http://schemas.openxmlformats.org/presentationml/2006/ole">
             <mc:AlternateContent xmlns:mc="http://schemas.openxmlformats.org/markup-compatibility/2006">
               <mc:Choice xmlns:v="urn:schemas-microsoft-com:vml" Requires="v">
-                <p:oleObj spid="_x0000_s3116" name="Equation" r:id="rId13" imgW="2006280" imgH="291960" progId="Equation.DSMT4">
+                <p:oleObj spid="_x0000_s3131" name="Equation" r:id="rId13" imgW="2006280" imgH="291960" progId="Equation.DSMT4">
                   <p:embed/>
                 </p:oleObj>
               </mc:Choice>
@@ -19128,6 +19117,50 @@
           </a:p>
         </p:txBody>
       </p:sp>
+      <p:pic>
+        <p:nvPicPr>
+          <p:cNvPr id="8" name="图片 7"/>
+          <p:cNvPicPr>
+            <a:picLocks noChangeAspect="1"/>
+          </p:cNvPicPr>
+          <p:nvPr/>
+        </p:nvPicPr>
+        <p:blipFill>
+          <a:blip r:embed="rId15">
+            <a:extLst>
+              <a:ext uri="{28A0092B-C50C-407E-A947-70E740481C1C}">
+                <a14:useLocalDpi xmlns:a14="http://schemas.microsoft.com/office/drawing/2010/main" val="0"/>
+              </a:ext>
+            </a:extLst>
+          </a:blip>
+          <a:stretch>
+            <a:fillRect/>
+          </a:stretch>
+        </p:blipFill>
+        <p:spPr>
+          <a:xfrm>
+            <a:off x="7302684" y="4326399"/>
+            <a:ext cx="2537680" cy="2065199"/>
+          </a:xfrm>
+          <a:prstGeom prst="rect">
+            <a:avLst/>
+          </a:prstGeom>
+          <a:ln w="3175" cap="sq">
+            <a:solidFill>
+              <a:srgbClr val="000000"/>
+            </a:solidFill>
+            <a:prstDash val="solid"/>
+            <a:miter lim="800000"/>
+          </a:ln>
+          <a:effectLst>
+            <a:outerShdw blurRad="50800" dist="38100" dir="2700000" algn="tl" rotWithShape="0">
+              <a:srgbClr val="000000">
+                <a:alpha val="43000"/>
+              </a:srgbClr>
+            </a:outerShdw>
+          </a:effectLst>
+        </p:spPr>
+      </p:pic>
     </p:spTree>
   </p:cSld>
   <p:clrMapOvr>
@@ -19936,18 +19969,7 @@
                 <a:ea typeface="微软雅黑" panose="020B0503020204020204" charset="-122"/>
                 <a:sym typeface="微软雅黑" panose="020B0503020204020204" charset="-122"/>
               </a:rPr>
-              <a:t>（理解为，伪粒子</a:t>
-            </a:r>
-            <a:r>
-              <a:rPr lang="zh-CN" altLang="en-US" b="1" dirty="0" smtClean="0">
-                <a:solidFill>
-                  <a:srgbClr val="004EA2"/>
-                </a:solidFill>
-                <a:latin typeface="微软雅黑" panose="020B0503020204020204" charset="-122"/>
-                <a:ea typeface="微软雅黑" panose="020B0503020204020204" charset="-122"/>
-                <a:sym typeface="微软雅黑" panose="020B0503020204020204" charset="-122"/>
-              </a:rPr>
-              <a:t>）</a:t>
+              <a:t>（理解为，伪粒子）</a:t>
             </a:r>
             <a:r>
               <a:rPr lang="en-US" altLang="zh-CN" b="1" baseline="30000" dirty="0" smtClean="0">
@@ -20277,7 +20299,7 @@
           <p:nvPr>
             <p:extLst>
               <p:ext uri="{D42A27DB-BD31-4B8C-83A1-F6EECF244321}">
-                <p14:modId xmlns:p14="http://schemas.microsoft.com/office/powerpoint/2010/main" val="898078855"/>
+                <p14:modId xmlns:p14="http://schemas.microsoft.com/office/powerpoint/2010/main" val="2313741581"/>
               </p:ext>
             </p:extLst>
           </p:nvPr>
@@ -20290,7 +20312,7 @@
           <a:graphicData uri="http://schemas.openxmlformats.org/presentationml/2006/ole">
             <mc:AlternateContent xmlns:mc="http://schemas.openxmlformats.org/markup-compatibility/2006">
               <mc:Choice xmlns:v="urn:schemas-microsoft-com:vml" Requires="v">
-                <p:oleObj spid="_x0000_s4114" name="Equation" r:id="rId5" imgW="2412720" imgH="1244520" progId="Equation.DSMT4">
+                <p:oleObj spid="_x0000_s4120" name="Equation" r:id="rId5" imgW="2412720" imgH="1244520" progId="Equation.DSMT4">
                   <p:embed/>
                 </p:oleObj>
               </mc:Choice>
@@ -20447,7 +20469,7 @@
           <a:graphicData uri="http://schemas.openxmlformats.org/presentationml/2006/ole">
             <mc:AlternateContent xmlns:mc="http://schemas.openxmlformats.org/markup-compatibility/2006">
               <mc:Choice xmlns:v="urn:schemas-microsoft-com:vml" Requires="v">
-                <p:oleObj spid="_x0000_s4115" name="Equation" r:id="rId7" imgW="1549080" imgH="469800" progId="Equation.DSMT4">
+                <p:oleObj spid="_x0000_s4121" name="Equation" r:id="rId7" imgW="1549080" imgH="469800" progId="Equation.DSMT4">
                   <p:embed/>
                 </p:oleObj>
               </mc:Choice>
@@ -20524,6 +20546,50 @@
           </a:p>
         </p:txBody>
       </p:sp>
+      <p:pic>
+        <p:nvPicPr>
+          <p:cNvPr id="23" name="图片 22"/>
+          <p:cNvPicPr>
+            <a:picLocks noChangeAspect="1"/>
+          </p:cNvPicPr>
+          <p:nvPr/>
+        </p:nvPicPr>
+        <p:blipFill>
+          <a:blip r:embed="rId9">
+            <a:extLst>
+              <a:ext uri="{28A0092B-C50C-407E-A947-70E740481C1C}">
+                <a14:useLocalDpi xmlns:a14="http://schemas.microsoft.com/office/drawing/2010/main" val="0"/>
+              </a:ext>
+            </a:extLst>
+          </a:blip>
+          <a:stretch>
+            <a:fillRect/>
+          </a:stretch>
+        </p:blipFill>
+        <p:spPr>
+          <a:xfrm>
+            <a:off x="7899974" y="2585446"/>
+            <a:ext cx="2537680" cy="2065199"/>
+          </a:xfrm>
+          <a:prstGeom prst="rect">
+            <a:avLst/>
+          </a:prstGeom>
+          <a:ln w="3175" cap="sq">
+            <a:solidFill>
+              <a:srgbClr val="000000"/>
+            </a:solidFill>
+            <a:prstDash val="solid"/>
+            <a:miter lim="800000"/>
+          </a:ln>
+          <a:effectLst>
+            <a:outerShdw blurRad="50800" dist="38100" dir="2700000" algn="tl" rotWithShape="0">
+              <a:srgbClr val="000000">
+                <a:alpha val="43000"/>
+              </a:srgbClr>
+            </a:outerShdw>
+          </a:effectLst>
+        </p:spPr>
+      </p:pic>
     </p:spTree>
     <p:extLst>
       <p:ext uri="{BB962C8B-B14F-4D97-AF65-F5344CB8AC3E}">
@@ -21337,18 +21403,7 @@
                 <a:ea typeface="微软雅黑" panose="020B0503020204020204" charset="-122"/>
                 <a:sym typeface="微软雅黑" panose="020B0503020204020204" charset="-122"/>
               </a:rPr>
-              <a:t>方程（流体动力学</a:t>
-            </a:r>
-            <a:r>
-              <a:rPr lang="zh-CN" altLang="en-US" b="1" dirty="0" smtClean="0">
-                <a:solidFill>
-                  <a:srgbClr val="004EA2"/>
-                </a:solidFill>
-                <a:latin typeface="微软雅黑" panose="020B0503020204020204" charset="-122"/>
-                <a:ea typeface="微软雅黑" panose="020B0503020204020204" charset="-122"/>
-                <a:sym typeface="微软雅黑" panose="020B0503020204020204" charset="-122"/>
-              </a:rPr>
-              <a:t>）</a:t>
+              <a:t>方程（流体动力学）</a:t>
             </a:r>
             <a:r>
               <a:rPr lang="en-US" altLang="zh-CN" b="1" baseline="30000" dirty="0" smtClean="0">
@@ -21566,7 +21621,7 @@
           <a:graphicData uri="http://schemas.openxmlformats.org/presentationml/2006/ole">
             <mc:AlternateContent xmlns:mc="http://schemas.openxmlformats.org/markup-compatibility/2006">
               <mc:Choice xmlns:v="urn:schemas-microsoft-com:vml" Requires="v">
-                <p:oleObj spid="_x0000_s5171" name="Equation" r:id="rId5" imgW="2209680" imgH="241200" progId="Equation.DSMT4">
+                <p:oleObj spid="_x0000_s5192" name="Equation" r:id="rId5" imgW="2209680" imgH="241200" progId="Equation.DSMT4">
                   <p:embed/>
                 </p:oleObj>
               </mc:Choice>
@@ -21623,7 +21678,7 @@
           <a:graphicData uri="http://schemas.openxmlformats.org/presentationml/2006/ole">
             <mc:AlternateContent xmlns:mc="http://schemas.openxmlformats.org/markup-compatibility/2006">
               <mc:Choice xmlns:v="urn:schemas-microsoft-com:vml" Requires="v">
-                <p:oleObj spid="_x0000_s5172" name="Equation" r:id="rId7" imgW="825480" imgH="241200" progId="Equation.DSMT4">
+                <p:oleObj spid="_x0000_s5193" name="Equation" r:id="rId7" imgW="825480" imgH="241200" progId="Equation.DSMT4">
                   <p:embed/>
                 </p:oleObj>
               </mc:Choice>
@@ -21680,7 +21735,7 @@
           <a:graphicData uri="http://schemas.openxmlformats.org/presentationml/2006/ole">
             <mc:AlternateContent xmlns:mc="http://schemas.openxmlformats.org/markup-compatibility/2006">
               <mc:Choice xmlns:v="urn:schemas-microsoft-com:vml" Requires="v">
-                <p:oleObj spid="_x0000_s5173" name="Equation" r:id="rId9" imgW="888840" imgH="241200" progId="Equation.DSMT4">
+                <p:oleObj spid="_x0000_s5194" name="Equation" r:id="rId9" imgW="888840" imgH="241200" progId="Equation.DSMT4">
                   <p:embed/>
                 </p:oleObj>
               </mc:Choice>
@@ -21737,7 +21792,7 @@
           <a:graphicData uri="http://schemas.openxmlformats.org/presentationml/2006/ole">
             <mc:AlternateContent xmlns:mc="http://schemas.openxmlformats.org/markup-compatibility/2006">
               <mc:Choice xmlns:v="urn:schemas-microsoft-com:vml" Requires="v">
-                <p:oleObj spid="_x0000_s5174" name="Equation" r:id="rId11" imgW="977760" imgH="241200" progId="Equation.DSMT4">
+                <p:oleObj spid="_x0000_s5195" name="Equation" r:id="rId11" imgW="977760" imgH="241200" progId="Equation.DSMT4">
                   <p:embed/>
                 </p:oleObj>
               </mc:Choice>
@@ -21794,7 +21849,7 @@
           <a:graphicData uri="http://schemas.openxmlformats.org/presentationml/2006/ole">
             <mc:AlternateContent xmlns:mc="http://schemas.openxmlformats.org/markup-compatibility/2006">
               <mc:Choice xmlns:v="urn:schemas-microsoft-com:vml" Requires="v">
-                <p:oleObj spid="_x0000_s5175" name="Equation" r:id="rId13" imgW="1371600" imgH="228600" progId="Equation.DSMT4">
+                <p:oleObj spid="_x0000_s5196" name="Equation" r:id="rId13" imgW="1371600" imgH="228600" progId="Equation.DSMT4">
                   <p:embed/>
                 </p:oleObj>
               </mc:Choice>
@@ -21851,7 +21906,7 @@
           <a:graphicData uri="http://schemas.openxmlformats.org/presentationml/2006/ole">
             <mc:AlternateContent xmlns:mc="http://schemas.openxmlformats.org/markup-compatibility/2006">
               <mc:Choice xmlns:v="urn:schemas-microsoft-com:vml" Requires="v">
-                <p:oleObj spid="_x0000_s5176" name="Equation" r:id="rId15" imgW="1218960" imgH="444240" progId="Equation.DSMT4">
+                <p:oleObj spid="_x0000_s5197" name="Equation" r:id="rId15" imgW="1218960" imgH="444240" progId="Equation.DSMT4">
                   <p:embed/>
                 </p:oleObj>
               </mc:Choice>
@@ -21908,7 +21963,7 @@
           <a:graphicData uri="http://schemas.openxmlformats.org/presentationml/2006/ole">
             <mc:AlternateContent xmlns:mc="http://schemas.openxmlformats.org/markup-compatibility/2006">
               <mc:Choice xmlns:v="urn:schemas-microsoft-com:vml" Requires="v">
-                <p:oleObj spid="_x0000_s5177" name="Equation" r:id="rId17" imgW="1803240" imgH="457200" progId="Equation.DSMT4">
+                <p:oleObj spid="_x0000_s5198" name="Equation" r:id="rId17" imgW="1803240" imgH="457200" progId="Equation.DSMT4">
                   <p:embed/>
                 </p:oleObj>
               </mc:Choice>
@@ -22946,18 +23001,7 @@
                 <a:ea typeface="微软雅黑" panose="020B0503020204020204" charset="-122"/>
                 <a:sym typeface="微软雅黑" panose="020B0503020204020204" charset="-122"/>
               </a:rPr>
-              <a:t>方程（流体动力学</a:t>
-            </a:r>
-            <a:r>
-              <a:rPr lang="zh-CN" altLang="en-US" b="1" dirty="0" smtClean="0">
-                <a:solidFill>
-                  <a:srgbClr val="004EA2"/>
-                </a:solidFill>
-                <a:latin typeface="微软雅黑" panose="020B0503020204020204" charset="-122"/>
-                <a:ea typeface="微软雅黑" panose="020B0503020204020204" charset="-122"/>
-                <a:sym typeface="微软雅黑" panose="020B0503020204020204" charset="-122"/>
-              </a:rPr>
-              <a:t>）</a:t>
+              <a:t>方程（流体动力学）</a:t>
             </a:r>
             <a:r>
               <a:rPr lang="en-US" altLang="zh-CN" b="1" baseline="30000" dirty="0" smtClean="0">
@@ -23240,7 +23284,7 @@
           <a:graphicData uri="http://schemas.openxmlformats.org/presentationml/2006/ole">
             <mc:AlternateContent xmlns:mc="http://schemas.openxmlformats.org/markup-compatibility/2006">
               <mc:Choice xmlns:v="urn:schemas-microsoft-com:vml" Requires="v">
-                <p:oleObj spid="_x0000_s6187" name="Equation" r:id="rId5" imgW="2209680" imgH="469800" progId="Equation.DSMT4">
+                <p:oleObj spid="_x0000_s6208" name="Equation" r:id="rId5" imgW="2209680" imgH="469800" progId="Equation.DSMT4">
                   <p:embed/>
                 </p:oleObj>
               </mc:Choice>
@@ -23297,7 +23341,7 @@
           <a:graphicData uri="http://schemas.openxmlformats.org/presentationml/2006/ole">
             <mc:AlternateContent xmlns:mc="http://schemas.openxmlformats.org/markup-compatibility/2006">
               <mc:Choice xmlns:v="urn:schemas-microsoft-com:vml" Requires="v">
-                <p:oleObj spid="_x0000_s6188" name="Equation" r:id="rId7" imgW="1739880" imgH="469800" progId="Equation.DSMT4">
+                <p:oleObj spid="_x0000_s6209" name="Equation" r:id="rId7" imgW="1739880" imgH="469800" progId="Equation.DSMT4">
                   <p:embed/>
                 </p:oleObj>
               </mc:Choice>
@@ -23354,7 +23398,7 @@
           <a:graphicData uri="http://schemas.openxmlformats.org/presentationml/2006/ole">
             <mc:AlternateContent xmlns:mc="http://schemas.openxmlformats.org/markup-compatibility/2006">
               <mc:Choice xmlns:v="urn:schemas-microsoft-com:vml" Requires="v">
-                <p:oleObj spid="_x0000_s6189" name="Equation" r:id="rId9" imgW="1828800" imgH="469800" progId="Equation.DSMT4">
+                <p:oleObj spid="_x0000_s6210" name="Equation" r:id="rId9" imgW="1828800" imgH="469800" progId="Equation.DSMT4">
                   <p:embed/>
                 </p:oleObj>
               </mc:Choice>
@@ -23411,7 +23455,7 @@
           <a:graphicData uri="http://schemas.openxmlformats.org/presentationml/2006/ole">
             <mc:AlternateContent xmlns:mc="http://schemas.openxmlformats.org/markup-compatibility/2006">
               <mc:Choice xmlns:v="urn:schemas-microsoft-com:vml" Requires="v">
-                <p:oleObj spid="_x0000_s6190" name="Equation" r:id="rId11" imgW="2450880" imgH="965160" progId="Equation.DSMT4">
+                <p:oleObj spid="_x0000_s6211" name="Equation" r:id="rId11" imgW="2450880" imgH="965160" progId="Equation.DSMT4">
                   <p:embed/>
                 </p:oleObj>
               </mc:Choice>
@@ -23468,7 +23512,7 @@
           <a:graphicData uri="http://schemas.openxmlformats.org/presentationml/2006/ole">
             <mc:AlternateContent xmlns:mc="http://schemas.openxmlformats.org/markup-compatibility/2006">
               <mc:Choice xmlns:v="urn:schemas-microsoft-com:vml" Requires="v">
-                <p:oleObj spid="_x0000_s6191" name="Equation" r:id="rId13" imgW="939600" imgH="228600" progId="Equation.DSMT4">
+                <p:oleObj spid="_x0000_s6212" name="Equation" r:id="rId13" imgW="939600" imgH="228600" progId="Equation.DSMT4">
                   <p:embed/>
                 </p:oleObj>
               </mc:Choice>
@@ -23525,7 +23569,7 @@
           <a:graphicData uri="http://schemas.openxmlformats.org/presentationml/2006/ole">
             <mc:AlternateContent xmlns:mc="http://schemas.openxmlformats.org/markup-compatibility/2006">
               <mc:Choice xmlns:v="urn:schemas-microsoft-com:vml" Requires="v">
-                <p:oleObj spid="_x0000_s6192" name="Equation" r:id="rId15" imgW="914400" imgH="198720" progId="Equation.DSMT4">
+                <p:oleObj spid="_x0000_s6213" name="Equation" r:id="rId15" imgW="914400" imgH="198720" progId="Equation.DSMT4">
                   <p:embed/>
                 </p:oleObj>
               </mc:Choice>
@@ -23582,7 +23626,7 @@
           <a:graphicData uri="http://schemas.openxmlformats.org/presentationml/2006/ole">
             <mc:AlternateContent xmlns:mc="http://schemas.openxmlformats.org/markup-compatibility/2006">
               <mc:Choice xmlns:v="urn:schemas-microsoft-com:vml" Requires="v">
-                <p:oleObj spid="_x0000_s6193" name="Equation" r:id="rId17" imgW="1803240" imgH="457200" progId="Equation.DSMT4">
+                <p:oleObj spid="_x0000_s6214" name="Equation" r:id="rId17" imgW="1803240" imgH="457200" progId="Equation.DSMT4">
                   <p:embed/>
                 </p:oleObj>
               </mc:Choice>
